--- a/ppt 16-9/1197.神的鸿恩广.pptx
+++ b/ppt 16-9/1197.神的鸿恩广.pptx
@@ -5,7 +5,7 @@
     <p:sldMasterId id="2147483648" r:id="rId1"/>
   </p:sldMasterIdLst>
   <p:sldIdLst>
-    <p:sldId id="721" r:id="rId2"/>
+    <p:sldId id="722" r:id="rId2"/>
   </p:sldIdLst>
   <p:sldSz cx="12192000" cy="6858000"/>
   <p:notesSz cx="6858000" cy="9144000"/>
@@ -129,7 +129,7 @@
           <p:cNvPr id="2" name="标题 1">
             <a:extLst>
               <a:ext uri="{FF2B5EF4-FFF2-40B4-BE49-F238E27FC236}">
-                <a16:creationId xmlns:a16="http://schemas.microsoft.com/office/drawing/2014/main" id="{DFBFEF02-4239-A9E1-2765-E07373AC20EB}"/>
+                <a16:creationId xmlns:a16="http://schemas.microsoft.com/office/drawing/2014/main" id="{FF6F62B9-0A31-504D-653B-F8DCCDA015A4}"/>
               </a:ext>
             </a:extLst>
           </p:cNvPr>
@@ -166,7 +166,7 @@
           <p:cNvPr id="3" name="副标题 2">
             <a:extLst>
               <a:ext uri="{FF2B5EF4-FFF2-40B4-BE49-F238E27FC236}">
-                <a16:creationId xmlns:a16="http://schemas.microsoft.com/office/drawing/2014/main" id="{E6784F2C-E2F5-FF06-963E-0BE9AE6DAFA3}"/>
+                <a16:creationId xmlns:a16="http://schemas.microsoft.com/office/drawing/2014/main" id="{58953011-9B88-D370-CD11-4EEC29F7C05E}"/>
               </a:ext>
             </a:extLst>
           </p:cNvPr>
@@ -236,7 +236,7 @@
           <p:cNvPr id="4" name="日期占位符 3">
             <a:extLst>
               <a:ext uri="{FF2B5EF4-FFF2-40B4-BE49-F238E27FC236}">
-                <a16:creationId xmlns:a16="http://schemas.microsoft.com/office/drawing/2014/main" id="{DA1E6237-F60F-08C2-C952-7A01290B746F}"/>
+                <a16:creationId xmlns:a16="http://schemas.microsoft.com/office/drawing/2014/main" id="{152A8C05-203E-281B-D258-007E0157D250}"/>
               </a:ext>
             </a:extLst>
           </p:cNvPr>
@@ -252,7 +252,7 @@
           <a:bodyPr/>
           <a:lstStyle/>
           <a:p>
-            <a:fld id="{80CEE3E3-2E06-4E7F-AC5F-D8FD1CDC986C}" type="datetimeFigureOut">
+            <a:fld id="{22D1EC34-0BA9-467F-B924-B22C5C506345}" type="datetimeFigureOut">
               <a:rPr lang="zh-CN" altLang="en-US" smtClean="0"/>
               <a:t>2024/3/10</a:t>
             </a:fld>
@@ -265,7 +265,7 @@
           <p:cNvPr id="5" name="页脚占位符 4">
             <a:extLst>
               <a:ext uri="{FF2B5EF4-FFF2-40B4-BE49-F238E27FC236}">
-                <a16:creationId xmlns:a16="http://schemas.microsoft.com/office/drawing/2014/main" id="{6B2D80C1-688C-239A-5BA7-652D3AD98CD0}"/>
+                <a16:creationId xmlns:a16="http://schemas.microsoft.com/office/drawing/2014/main" id="{3F0CDA85-D4BC-3788-7616-5521E17C4D5A}"/>
               </a:ext>
             </a:extLst>
           </p:cNvPr>
@@ -290,7 +290,7 @@
           <p:cNvPr id="6" name="灯片编号占位符 5">
             <a:extLst>
               <a:ext uri="{FF2B5EF4-FFF2-40B4-BE49-F238E27FC236}">
-                <a16:creationId xmlns:a16="http://schemas.microsoft.com/office/drawing/2014/main" id="{601B26B9-E346-57D2-A974-0DDB46B906BA}"/>
+                <a16:creationId xmlns:a16="http://schemas.microsoft.com/office/drawing/2014/main" id="{D67190EB-74C5-7AFE-85B2-86E1A9D2F993}"/>
               </a:ext>
             </a:extLst>
           </p:cNvPr>
@@ -306,7 +306,7 @@
           <a:bodyPr/>
           <a:lstStyle/>
           <a:p>
-            <a:fld id="{DA007AF0-E144-4E6B-97A8-26DAF20F22D7}" type="slidenum">
+            <a:fld id="{9D199339-02D3-4A64-943A-A50FCC6E3981}" type="slidenum">
               <a:rPr lang="zh-CN" altLang="en-US" smtClean="0"/>
               <a:t>‹#›</a:t>
             </a:fld>
@@ -317,7 +317,7 @@
     </p:spTree>
     <p:extLst>
       <p:ext uri="{BB962C8B-B14F-4D97-AF65-F5344CB8AC3E}">
-        <p14:creationId xmlns:p14="http://schemas.microsoft.com/office/powerpoint/2010/main" val="4169475503"/>
+        <p14:creationId xmlns:p14="http://schemas.microsoft.com/office/powerpoint/2010/main" val="2212950232"/>
       </p:ext>
     </p:extLst>
   </p:cSld>
@@ -349,7 +349,7 @@
           <p:cNvPr id="2" name="标题 1">
             <a:extLst>
               <a:ext uri="{FF2B5EF4-FFF2-40B4-BE49-F238E27FC236}">
-                <a16:creationId xmlns:a16="http://schemas.microsoft.com/office/drawing/2014/main" id="{2D83D749-1381-D78D-62FE-2EBC0069B3E0}"/>
+                <a16:creationId xmlns:a16="http://schemas.microsoft.com/office/drawing/2014/main" id="{85DFAE1A-760D-8DC3-92D7-05209B999236}"/>
               </a:ext>
             </a:extLst>
           </p:cNvPr>
@@ -377,7 +377,7 @@
           <p:cNvPr id="3" name="竖排文字占位符 2">
             <a:extLst>
               <a:ext uri="{FF2B5EF4-FFF2-40B4-BE49-F238E27FC236}">
-                <a16:creationId xmlns:a16="http://schemas.microsoft.com/office/drawing/2014/main" id="{B2830258-ED8A-B20A-290C-A21A69A1A2E3}"/>
+                <a16:creationId xmlns:a16="http://schemas.microsoft.com/office/drawing/2014/main" id="{FEEC0052-1F4D-8451-B81B-5FE71356FCAF}"/>
               </a:ext>
             </a:extLst>
           </p:cNvPr>
@@ -434,7 +434,7 @@
           <p:cNvPr id="4" name="日期占位符 3">
             <a:extLst>
               <a:ext uri="{FF2B5EF4-FFF2-40B4-BE49-F238E27FC236}">
-                <a16:creationId xmlns:a16="http://schemas.microsoft.com/office/drawing/2014/main" id="{76E1F34D-5F03-1CE1-A911-8BAED3818289}"/>
+                <a16:creationId xmlns:a16="http://schemas.microsoft.com/office/drawing/2014/main" id="{32722D81-119F-3797-F149-B742A1671D73}"/>
               </a:ext>
             </a:extLst>
           </p:cNvPr>
@@ -450,7 +450,7 @@
           <a:bodyPr/>
           <a:lstStyle/>
           <a:p>
-            <a:fld id="{80CEE3E3-2E06-4E7F-AC5F-D8FD1CDC986C}" type="datetimeFigureOut">
+            <a:fld id="{22D1EC34-0BA9-467F-B924-B22C5C506345}" type="datetimeFigureOut">
               <a:rPr lang="zh-CN" altLang="en-US" smtClean="0"/>
               <a:t>2024/3/10</a:t>
             </a:fld>
@@ -463,7 +463,7 @@
           <p:cNvPr id="5" name="页脚占位符 4">
             <a:extLst>
               <a:ext uri="{FF2B5EF4-FFF2-40B4-BE49-F238E27FC236}">
-                <a16:creationId xmlns:a16="http://schemas.microsoft.com/office/drawing/2014/main" id="{A003BADC-30BF-50D4-00FF-AEB396BF7B08}"/>
+                <a16:creationId xmlns:a16="http://schemas.microsoft.com/office/drawing/2014/main" id="{BAE25BCA-61BA-A14E-69C6-E76162CB4083}"/>
               </a:ext>
             </a:extLst>
           </p:cNvPr>
@@ -488,7 +488,7 @@
           <p:cNvPr id="6" name="灯片编号占位符 5">
             <a:extLst>
               <a:ext uri="{FF2B5EF4-FFF2-40B4-BE49-F238E27FC236}">
-                <a16:creationId xmlns:a16="http://schemas.microsoft.com/office/drawing/2014/main" id="{C70DCACC-5036-69B3-C094-980DC4CE9C50}"/>
+                <a16:creationId xmlns:a16="http://schemas.microsoft.com/office/drawing/2014/main" id="{7436CDF5-04B7-7831-49DD-A241FBE2B5CA}"/>
               </a:ext>
             </a:extLst>
           </p:cNvPr>
@@ -504,7 +504,7 @@
           <a:bodyPr/>
           <a:lstStyle/>
           <a:p>
-            <a:fld id="{DA007AF0-E144-4E6B-97A8-26DAF20F22D7}" type="slidenum">
+            <a:fld id="{9D199339-02D3-4A64-943A-A50FCC6E3981}" type="slidenum">
               <a:rPr lang="zh-CN" altLang="en-US" smtClean="0"/>
               <a:t>‹#›</a:t>
             </a:fld>
@@ -515,7 +515,7 @@
     </p:spTree>
     <p:extLst>
       <p:ext uri="{BB962C8B-B14F-4D97-AF65-F5344CB8AC3E}">
-        <p14:creationId xmlns:p14="http://schemas.microsoft.com/office/powerpoint/2010/main" val="9597746"/>
+        <p14:creationId xmlns:p14="http://schemas.microsoft.com/office/powerpoint/2010/main" val="1771496183"/>
       </p:ext>
     </p:extLst>
   </p:cSld>
@@ -547,7 +547,7 @@
           <p:cNvPr id="2" name="竖排标题 1">
             <a:extLst>
               <a:ext uri="{FF2B5EF4-FFF2-40B4-BE49-F238E27FC236}">
-                <a16:creationId xmlns:a16="http://schemas.microsoft.com/office/drawing/2014/main" id="{8D4B8C02-7347-FA27-15EF-A9F3107EEDC0}"/>
+                <a16:creationId xmlns:a16="http://schemas.microsoft.com/office/drawing/2014/main" id="{EFB7BD0B-D6D4-03B3-D90D-08FA93AAD1FC}"/>
               </a:ext>
             </a:extLst>
           </p:cNvPr>
@@ -580,7 +580,7 @@
           <p:cNvPr id="3" name="竖排文字占位符 2">
             <a:extLst>
               <a:ext uri="{FF2B5EF4-FFF2-40B4-BE49-F238E27FC236}">
-                <a16:creationId xmlns:a16="http://schemas.microsoft.com/office/drawing/2014/main" id="{C63D6BCE-EAEC-DA03-4A4B-1B700BAC4F73}"/>
+                <a16:creationId xmlns:a16="http://schemas.microsoft.com/office/drawing/2014/main" id="{886AB278-C1CA-AF35-09F9-8CB67A0E22EA}"/>
               </a:ext>
             </a:extLst>
           </p:cNvPr>
@@ -642,7 +642,7 @@
           <p:cNvPr id="4" name="日期占位符 3">
             <a:extLst>
               <a:ext uri="{FF2B5EF4-FFF2-40B4-BE49-F238E27FC236}">
-                <a16:creationId xmlns:a16="http://schemas.microsoft.com/office/drawing/2014/main" id="{3DCE509E-0AA7-8282-AC6B-0259BEB025AD}"/>
+                <a16:creationId xmlns:a16="http://schemas.microsoft.com/office/drawing/2014/main" id="{64795245-34A6-7BA5-8F0C-0427760C32A7}"/>
               </a:ext>
             </a:extLst>
           </p:cNvPr>
@@ -658,7 +658,7 @@
           <a:bodyPr/>
           <a:lstStyle/>
           <a:p>
-            <a:fld id="{80CEE3E3-2E06-4E7F-AC5F-D8FD1CDC986C}" type="datetimeFigureOut">
+            <a:fld id="{22D1EC34-0BA9-467F-B924-B22C5C506345}" type="datetimeFigureOut">
               <a:rPr lang="zh-CN" altLang="en-US" smtClean="0"/>
               <a:t>2024/3/10</a:t>
             </a:fld>
@@ -671,7 +671,7 @@
           <p:cNvPr id="5" name="页脚占位符 4">
             <a:extLst>
               <a:ext uri="{FF2B5EF4-FFF2-40B4-BE49-F238E27FC236}">
-                <a16:creationId xmlns:a16="http://schemas.microsoft.com/office/drawing/2014/main" id="{A5ED29A1-30C3-F72E-39EA-62BF56622D0B}"/>
+                <a16:creationId xmlns:a16="http://schemas.microsoft.com/office/drawing/2014/main" id="{F0999D47-9C66-9D9D-5546-4940C20782AE}"/>
               </a:ext>
             </a:extLst>
           </p:cNvPr>
@@ -696,7 +696,7 @@
           <p:cNvPr id="6" name="灯片编号占位符 5">
             <a:extLst>
               <a:ext uri="{FF2B5EF4-FFF2-40B4-BE49-F238E27FC236}">
-                <a16:creationId xmlns:a16="http://schemas.microsoft.com/office/drawing/2014/main" id="{596BD712-FFF6-50E4-EAD6-33870BF7558B}"/>
+                <a16:creationId xmlns:a16="http://schemas.microsoft.com/office/drawing/2014/main" id="{8D171E22-3EB3-BEE9-9398-10C0AF1F4D4F}"/>
               </a:ext>
             </a:extLst>
           </p:cNvPr>
@@ -712,7 +712,7 @@
           <a:bodyPr/>
           <a:lstStyle/>
           <a:p>
-            <a:fld id="{DA007AF0-E144-4E6B-97A8-26DAF20F22D7}" type="slidenum">
+            <a:fld id="{9D199339-02D3-4A64-943A-A50FCC6E3981}" type="slidenum">
               <a:rPr lang="zh-CN" altLang="en-US" smtClean="0"/>
               <a:t>‹#›</a:t>
             </a:fld>
@@ -723,7 +723,7 @@
     </p:spTree>
     <p:extLst>
       <p:ext uri="{BB962C8B-B14F-4D97-AF65-F5344CB8AC3E}">
-        <p14:creationId xmlns:p14="http://schemas.microsoft.com/office/powerpoint/2010/main" val="3816138568"/>
+        <p14:creationId xmlns:p14="http://schemas.microsoft.com/office/powerpoint/2010/main" val="3713163224"/>
       </p:ext>
     </p:extLst>
   </p:cSld>
@@ -755,7 +755,7 @@
           <p:cNvPr id="2" name="标题 1">
             <a:extLst>
               <a:ext uri="{FF2B5EF4-FFF2-40B4-BE49-F238E27FC236}">
-                <a16:creationId xmlns:a16="http://schemas.microsoft.com/office/drawing/2014/main" id="{85FF11AC-4D5B-9A69-6923-32774862F566}"/>
+                <a16:creationId xmlns:a16="http://schemas.microsoft.com/office/drawing/2014/main" id="{0DFE0AAD-6E95-672B-C2ED-B1C72D298C79}"/>
               </a:ext>
             </a:extLst>
           </p:cNvPr>
@@ -783,7 +783,7 @@
           <p:cNvPr id="3" name="内容占位符 2">
             <a:extLst>
               <a:ext uri="{FF2B5EF4-FFF2-40B4-BE49-F238E27FC236}">
-                <a16:creationId xmlns:a16="http://schemas.microsoft.com/office/drawing/2014/main" id="{165F572C-85FC-9105-9676-832305DA3043}"/>
+                <a16:creationId xmlns:a16="http://schemas.microsoft.com/office/drawing/2014/main" id="{01087EF7-3D0F-CCA1-5F52-C19613714DCC}"/>
               </a:ext>
             </a:extLst>
           </p:cNvPr>
@@ -840,7 +840,7 @@
           <p:cNvPr id="4" name="日期占位符 3">
             <a:extLst>
               <a:ext uri="{FF2B5EF4-FFF2-40B4-BE49-F238E27FC236}">
-                <a16:creationId xmlns:a16="http://schemas.microsoft.com/office/drawing/2014/main" id="{AB7F948E-58F9-FD4E-3616-845D715CA58A}"/>
+                <a16:creationId xmlns:a16="http://schemas.microsoft.com/office/drawing/2014/main" id="{0B21F73A-FCDE-B453-89C3-FE40908463B8}"/>
               </a:ext>
             </a:extLst>
           </p:cNvPr>
@@ -856,7 +856,7 @@
           <a:bodyPr/>
           <a:lstStyle/>
           <a:p>
-            <a:fld id="{80CEE3E3-2E06-4E7F-AC5F-D8FD1CDC986C}" type="datetimeFigureOut">
+            <a:fld id="{22D1EC34-0BA9-467F-B924-B22C5C506345}" type="datetimeFigureOut">
               <a:rPr lang="zh-CN" altLang="en-US" smtClean="0"/>
               <a:t>2024/3/10</a:t>
             </a:fld>
@@ -869,7 +869,7 @@
           <p:cNvPr id="5" name="页脚占位符 4">
             <a:extLst>
               <a:ext uri="{FF2B5EF4-FFF2-40B4-BE49-F238E27FC236}">
-                <a16:creationId xmlns:a16="http://schemas.microsoft.com/office/drawing/2014/main" id="{ED9699DA-642B-02AF-7C04-0BC279EA5956}"/>
+                <a16:creationId xmlns:a16="http://schemas.microsoft.com/office/drawing/2014/main" id="{D706781F-F014-DEE3-D2C2-EB3E466DCA7E}"/>
               </a:ext>
             </a:extLst>
           </p:cNvPr>
@@ -894,7 +894,7 @@
           <p:cNvPr id="6" name="灯片编号占位符 5">
             <a:extLst>
               <a:ext uri="{FF2B5EF4-FFF2-40B4-BE49-F238E27FC236}">
-                <a16:creationId xmlns:a16="http://schemas.microsoft.com/office/drawing/2014/main" id="{29DDAEF7-F0C1-7B89-17D2-1A91A383AFF5}"/>
+                <a16:creationId xmlns:a16="http://schemas.microsoft.com/office/drawing/2014/main" id="{52C71E80-1D07-F618-DE07-1B37EA131F7C}"/>
               </a:ext>
             </a:extLst>
           </p:cNvPr>
@@ -910,7 +910,7 @@
           <a:bodyPr/>
           <a:lstStyle/>
           <a:p>
-            <a:fld id="{DA007AF0-E144-4E6B-97A8-26DAF20F22D7}" type="slidenum">
+            <a:fld id="{9D199339-02D3-4A64-943A-A50FCC6E3981}" type="slidenum">
               <a:rPr lang="zh-CN" altLang="en-US" smtClean="0"/>
               <a:t>‹#›</a:t>
             </a:fld>
@@ -921,7 +921,7 @@
     </p:spTree>
     <p:extLst>
       <p:ext uri="{BB962C8B-B14F-4D97-AF65-F5344CB8AC3E}">
-        <p14:creationId xmlns:p14="http://schemas.microsoft.com/office/powerpoint/2010/main" val="2746665053"/>
+        <p14:creationId xmlns:p14="http://schemas.microsoft.com/office/powerpoint/2010/main" val="1547322575"/>
       </p:ext>
     </p:extLst>
   </p:cSld>
@@ -953,7 +953,7 @@
           <p:cNvPr id="2" name="标题 1">
             <a:extLst>
               <a:ext uri="{FF2B5EF4-FFF2-40B4-BE49-F238E27FC236}">
-                <a16:creationId xmlns:a16="http://schemas.microsoft.com/office/drawing/2014/main" id="{44F7908F-A0BF-E925-0FFC-CD0EB58E4B69}"/>
+                <a16:creationId xmlns:a16="http://schemas.microsoft.com/office/drawing/2014/main" id="{FEB0B7E3-AD9F-CA62-701B-7944F9804544}"/>
               </a:ext>
             </a:extLst>
           </p:cNvPr>
@@ -990,7 +990,7 @@
           <p:cNvPr id="3" name="文本占位符 2">
             <a:extLst>
               <a:ext uri="{FF2B5EF4-FFF2-40B4-BE49-F238E27FC236}">
-                <a16:creationId xmlns:a16="http://schemas.microsoft.com/office/drawing/2014/main" id="{D711573D-2C43-CFDD-5C4A-7573F7B2D673}"/>
+                <a16:creationId xmlns:a16="http://schemas.microsoft.com/office/drawing/2014/main" id="{034F918C-E41F-765F-FC9E-633CC1540A93}"/>
               </a:ext>
             </a:extLst>
           </p:cNvPr>
@@ -1115,7 +1115,7 @@
           <p:cNvPr id="4" name="日期占位符 3">
             <a:extLst>
               <a:ext uri="{FF2B5EF4-FFF2-40B4-BE49-F238E27FC236}">
-                <a16:creationId xmlns:a16="http://schemas.microsoft.com/office/drawing/2014/main" id="{41B7ACC0-1395-33EE-4F3D-A12DFCAB71EB}"/>
+                <a16:creationId xmlns:a16="http://schemas.microsoft.com/office/drawing/2014/main" id="{46AC6DEC-1DFF-F7FF-29C4-1EA6B4E7C4C1}"/>
               </a:ext>
             </a:extLst>
           </p:cNvPr>
@@ -1131,7 +1131,7 @@
           <a:bodyPr/>
           <a:lstStyle/>
           <a:p>
-            <a:fld id="{80CEE3E3-2E06-4E7F-AC5F-D8FD1CDC986C}" type="datetimeFigureOut">
+            <a:fld id="{22D1EC34-0BA9-467F-B924-B22C5C506345}" type="datetimeFigureOut">
               <a:rPr lang="zh-CN" altLang="en-US" smtClean="0"/>
               <a:t>2024/3/10</a:t>
             </a:fld>
@@ -1144,7 +1144,7 @@
           <p:cNvPr id="5" name="页脚占位符 4">
             <a:extLst>
               <a:ext uri="{FF2B5EF4-FFF2-40B4-BE49-F238E27FC236}">
-                <a16:creationId xmlns:a16="http://schemas.microsoft.com/office/drawing/2014/main" id="{8FB8F8FD-0206-1AC4-A5C8-6E7E4EA90AF2}"/>
+                <a16:creationId xmlns:a16="http://schemas.microsoft.com/office/drawing/2014/main" id="{6FC38A1F-0231-9B85-4A48-97AE32FFE33B}"/>
               </a:ext>
             </a:extLst>
           </p:cNvPr>
@@ -1169,7 +1169,7 @@
           <p:cNvPr id="6" name="灯片编号占位符 5">
             <a:extLst>
               <a:ext uri="{FF2B5EF4-FFF2-40B4-BE49-F238E27FC236}">
-                <a16:creationId xmlns:a16="http://schemas.microsoft.com/office/drawing/2014/main" id="{B39C5636-8C87-CDCA-7CF0-83B3472809CC}"/>
+                <a16:creationId xmlns:a16="http://schemas.microsoft.com/office/drawing/2014/main" id="{8BB59F0F-6560-5369-7A4F-C56AEF15AC09}"/>
               </a:ext>
             </a:extLst>
           </p:cNvPr>
@@ -1185,7 +1185,7 @@
           <a:bodyPr/>
           <a:lstStyle/>
           <a:p>
-            <a:fld id="{DA007AF0-E144-4E6B-97A8-26DAF20F22D7}" type="slidenum">
+            <a:fld id="{9D199339-02D3-4A64-943A-A50FCC6E3981}" type="slidenum">
               <a:rPr lang="zh-CN" altLang="en-US" smtClean="0"/>
               <a:t>‹#›</a:t>
             </a:fld>
@@ -1196,7 +1196,7 @@
     </p:spTree>
     <p:extLst>
       <p:ext uri="{BB962C8B-B14F-4D97-AF65-F5344CB8AC3E}">
-        <p14:creationId xmlns:p14="http://schemas.microsoft.com/office/powerpoint/2010/main" val="2493355271"/>
+        <p14:creationId xmlns:p14="http://schemas.microsoft.com/office/powerpoint/2010/main" val="1420981412"/>
       </p:ext>
     </p:extLst>
   </p:cSld>
@@ -1228,7 +1228,7 @@
           <p:cNvPr id="2" name="标题 1">
             <a:extLst>
               <a:ext uri="{FF2B5EF4-FFF2-40B4-BE49-F238E27FC236}">
-                <a16:creationId xmlns:a16="http://schemas.microsoft.com/office/drawing/2014/main" id="{AA3B75F7-9AE8-BF67-D381-718F51CD43B8}"/>
+                <a16:creationId xmlns:a16="http://schemas.microsoft.com/office/drawing/2014/main" id="{C8759C31-92CD-BAC9-149D-04869820653E}"/>
               </a:ext>
             </a:extLst>
           </p:cNvPr>
@@ -1256,7 +1256,7 @@
           <p:cNvPr id="3" name="内容占位符 2">
             <a:extLst>
               <a:ext uri="{FF2B5EF4-FFF2-40B4-BE49-F238E27FC236}">
-                <a16:creationId xmlns:a16="http://schemas.microsoft.com/office/drawing/2014/main" id="{6667528F-67C3-C8EC-2C57-4D6B5B292F30}"/>
+                <a16:creationId xmlns:a16="http://schemas.microsoft.com/office/drawing/2014/main" id="{9451702B-BED3-A7F6-AB2C-569707A67949}"/>
               </a:ext>
             </a:extLst>
           </p:cNvPr>
@@ -1318,7 +1318,7 @@
           <p:cNvPr id="4" name="内容占位符 3">
             <a:extLst>
               <a:ext uri="{FF2B5EF4-FFF2-40B4-BE49-F238E27FC236}">
-                <a16:creationId xmlns:a16="http://schemas.microsoft.com/office/drawing/2014/main" id="{2268B65B-76F2-A33B-4C2E-70C9E22721EA}"/>
+                <a16:creationId xmlns:a16="http://schemas.microsoft.com/office/drawing/2014/main" id="{F6B126FF-C973-BAC6-9F89-E4ADC5F7DEFF}"/>
               </a:ext>
             </a:extLst>
           </p:cNvPr>
@@ -1380,7 +1380,7 @@
           <p:cNvPr id="5" name="日期占位符 4">
             <a:extLst>
               <a:ext uri="{FF2B5EF4-FFF2-40B4-BE49-F238E27FC236}">
-                <a16:creationId xmlns:a16="http://schemas.microsoft.com/office/drawing/2014/main" id="{C6A1ED6C-59A7-737D-044B-F6DFC03AC41F}"/>
+                <a16:creationId xmlns:a16="http://schemas.microsoft.com/office/drawing/2014/main" id="{F676989D-419C-0EC6-5348-0AE26772F899}"/>
               </a:ext>
             </a:extLst>
           </p:cNvPr>
@@ -1396,7 +1396,7 @@
           <a:bodyPr/>
           <a:lstStyle/>
           <a:p>
-            <a:fld id="{80CEE3E3-2E06-4E7F-AC5F-D8FD1CDC986C}" type="datetimeFigureOut">
+            <a:fld id="{22D1EC34-0BA9-467F-B924-B22C5C506345}" type="datetimeFigureOut">
               <a:rPr lang="zh-CN" altLang="en-US" smtClean="0"/>
               <a:t>2024/3/10</a:t>
             </a:fld>
@@ -1409,7 +1409,7 @@
           <p:cNvPr id="6" name="页脚占位符 5">
             <a:extLst>
               <a:ext uri="{FF2B5EF4-FFF2-40B4-BE49-F238E27FC236}">
-                <a16:creationId xmlns:a16="http://schemas.microsoft.com/office/drawing/2014/main" id="{C7D33130-CACE-088A-6A8D-4F855C9D554C}"/>
+                <a16:creationId xmlns:a16="http://schemas.microsoft.com/office/drawing/2014/main" id="{EC47AC65-17B8-CDFC-F06E-F2607D26DFD9}"/>
               </a:ext>
             </a:extLst>
           </p:cNvPr>
@@ -1434,7 +1434,7 @@
           <p:cNvPr id="7" name="灯片编号占位符 6">
             <a:extLst>
               <a:ext uri="{FF2B5EF4-FFF2-40B4-BE49-F238E27FC236}">
-                <a16:creationId xmlns:a16="http://schemas.microsoft.com/office/drawing/2014/main" id="{65E67E46-65B6-79B5-E2D0-19B7A3B76A01}"/>
+                <a16:creationId xmlns:a16="http://schemas.microsoft.com/office/drawing/2014/main" id="{5FF9A329-B17C-1D2C-C8F9-59341F8FB0C3}"/>
               </a:ext>
             </a:extLst>
           </p:cNvPr>
@@ -1450,7 +1450,7 @@
           <a:bodyPr/>
           <a:lstStyle/>
           <a:p>
-            <a:fld id="{DA007AF0-E144-4E6B-97A8-26DAF20F22D7}" type="slidenum">
+            <a:fld id="{9D199339-02D3-4A64-943A-A50FCC6E3981}" type="slidenum">
               <a:rPr lang="zh-CN" altLang="en-US" smtClean="0"/>
               <a:t>‹#›</a:t>
             </a:fld>
@@ -1461,7 +1461,7 @@
     </p:spTree>
     <p:extLst>
       <p:ext uri="{BB962C8B-B14F-4D97-AF65-F5344CB8AC3E}">
-        <p14:creationId xmlns:p14="http://schemas.microsoft.com/office/powerpoint/2010/main" val="2718645103"/>
+        <p14:creationId xmlns:p14="http://schemas.microsoft.com/office/powerpoint/2010/main" val="3296227644"/>
       </p:ext>
     </p:extLst>
   </p:cSld>
@@ -1493,7 +1493,7 @@
           <p:cNvPr id="2" name="标题 1">
             <a:extLst>
               <a:ext uri="{FF2B5EF4-FFF2-40B4-BE49-F238E27FC236}">
-                <a16:creationId xmlns:a16="http://schemas.microsoft.com/office/drawing/2014/main" id="{A6CCDF40-05AD-FA3A-A140-F8EC272D9762}"/>
+                <a16:creationId xmlns:a16="http://schemas.microsoft.com/office/drawing/2014/main" id="{166ADD22-9529-0888-5706-2002A1EACA50}"/>
               </a:ext>
             </a:extLst>
           </p:cNvPr>
@@ -1526,7 +1526,7 @@
           <p:cNvPr id="3" name="文本占位符 2">
             <a:extLst>
               <a:ext uri="{FF2B5EF4-FFF2-40B4-BE49-F238E27FC236}">
-                <a16:creationId xmlns:a16="http://schemas.microsoft.com/office/drawing/2014/main" id="{00048850-856A-CBF8-313B-3633413C8DBE}"/>
+                <a16:creationId xmlns:a16="http://schemas.microsoft.com/office/drawing/2014/main" id="{C2137D94-F001-2626-68C6-E26055A69E99}"/>
               </a:ext>
             </a:extLst>
           </p:cNvPr>
@@ -1597,7 +1597,7 @@
           <p:cNvPr id="4" name="内容占位符 3">
             <a:extLst>
               <a:ext uri="{FF2B5EF4-FFF2-40B4-BE49-F238E27FC236}">
-                <a16:creationId xmlns:a16="http://schemas.microsoft.com/office/drawing/2014/main" id="{DAB631F5-92C3-FB61-4596-20476AC10672}"/>
+                <a16:creationId xmlns:a16="http://schemas.microsoft.com/office/drawing/2014/main" id="{47645EE2-03D4-E635-DDBB-7AC5502743A9}"/>
               </a:ext>
             </a:extLst>
           </p:cNvPr>
@@ -1659,7 +1659,7 @@
           <p:cNvPr id="5" name="文本占位符 4">
             <a:extLst>
               <a:ext uri="{FF2B5EF4-FFF2-40B4-BE49-F238E27FC236}">
-                <a16:creationId xmlns:a16="http://schemas.microsoft.com/office/drawing/2014/main" id="{D64EFF98-5CC7-1E33-15D4-64AB2EEB0C98}"/>
+                <a16:creationId xmlns:a16="http://schemas.microsoft.com/office/drawing/2014/main" id="{07E3DEFF-1854-E838-C37A-CB202CB92320}"/>
               </a:ext>
             </a:extLst>
           </p:cNvPr>
@@ -1730,7 +1730,7 @@
           <p:cNvPr id="6" name="内容占位符 5">
             <a:extLst>
               <a:ext uri="{FF2B5EF4-FFF2-40B4-BE49-F238E27FC236}">
-                <a16:creationId xmlns:a16="http://schemas.microsoft.com/office/drawing/2014/main" id="{06822F0D-5AC4-4641-CBF9-CA416BB75C83}"/>
+                <a16:creationId xmlns:a16="http://schemas.microsoft.com/office/drawing/2014/main" id="{73C2C8E0-CA07-E21E-C928-00BDC47B0873}"/>
               </a:ext>
             </a:extLst>
           </p:cNvPr>
@@ -1792,7 +1792,7 @@
           <p:cNvPr id="7" name="日期占位符 6">
             <a:extLst>
               <a:ext uri="{FF2B5EF4-FFF2-40B4-BE49-F238E27FC236}">
-                <a16:creationId xmlns:a16="http://schemas.microsoft.com/office/drawing/2014/main" id="{5BF858FE-171B-61D3-B478-60BE1D9EACF6}"/>
+                <a16:creationId xmlns:a16="http://schemas.microsoft.com/office/drawing/2014/main" id="{77A3C61D-BA28-4E68-F7AF-45ACC8816751}"/>
               </a:ext>
             </a:extLst>
           </p:cNvPr>
@@ -1808,7 +1808,7 @@
           <a:bodyPr/>
           <a:lstStyle/>
           <a:p>
-            <a:fld id="{80CEE3E3-2E06-4E7F-AC5F-D8FD1CDC986C}" type="datetimeFigureOut">
+            <a:fld id="{22D1EC34-0BA9-467F-B924-B22C5C506345}" type="datetimeFigureOut">
               <a:rPr lang="zh-CN" altLang="en-US" smtClean="0"/>
               <a:t>2024/3/10</a:t>
             </a:fld>
@@ -1821,7 +1821,7 @@
           <p:cNvPr id="8" name="页脚占位符 7">
             <a:extLst>
               <a:ext uri="{FF2B5EF4-FFF2-40B4-BE49-F238E27FC236}">
-                <a16:creationId xmlns:a16="http://schemas.microsoft.com/office/drawing/2014/main" id="{456AAA9B-9315-CB6C-091A-1B615E720EF4}"/>
+                <a16:creationId xmlns:a16="http://schemas.microsoft.com/office/drawing/2014/main" id="{33B5D7F3-A944-935D-6A06-55BE3D3BC2E6}"/>
               </a:ext>
             </a:extLst>
           </p:cNvPr>
@@ -1846,7 +1846,7 @@
           <p:cNvPr id="9" name="灯片编号占位符 8">
             <a:extLst>
               <a:ext uri="{FF2B5EF4-FFF2-40B4-BE49-F238E27FC236}">
-                <a16:creationId xmlns:a16="http://schemas.microsoft.com/office/drawing/2014/main" id="{45DE3C90-6AD0-4177-E28C-4E26E254543B}"/>
+                <a16:creationId xmlns:a16="http://schemas.microsoft.com/office/drawing/2014/main" id="{5EFDBDFB-0422-F79B-0345-D870B7CE4061}"/>
               </a:ext>
             </a:extLst>
           </p:cNvPr>
@@ -1862,7 +1862,7 @@
           <a:bodyPr/>
           <a:lstStyle/>
           <a:p>
-            <a:fld id="{DA007AF0-E144-4E6B-97A8-26DAF20F22D7}" type="slidenum">
+            <a:fld id="{9D199339-02D3-4A64-943A-A50FCC6E3981}" type="slidenum">
               <a:rPr lang="zh-CN" altLang="en-US" smtClean="0"/>
               <a:t>‹#›</a:t>
             </a:fld>
@@ -1873,7 +1873,7 @@
     </p:spTree>
     <p:extLst>
       <p:ext uri="{BB962C8B-B14F-4D97-AF65-F5344CB8AC3E}">
-        <p14:creationId xmlns:p14="http://schemas.microsoft.com/office/powerpoint/2010/main" val="1334445759"/>
+        <p14:creationId xmlns:p14="http://schemas.microsoft.com/office/powerpoint/2010/main" val="951208925"/>
       </p:ext>
     </p:extLst>
   </p:cSld>
@@ -1905,7 +1905,7 @@
           <p:cNvPr id="2" name="标题 1">
             <a:extLst>
               <a:ext uri="{FF2B5EF4-FFF2-40B4-BE49-F238E27FC236}">
-                <a16:creationId xmlns:a16="http://schemas.microsoft.com/office/drawing/2014/main" id="{1FE7B853-D457-69FB-13B0-B19FD6DF8E9A}"/>
+                <a16:creationId xmlns:a16="http://schemas.microsoft.com/office/drawing/2014/main" id="{0F968426-7F58-CDDB-4DB5-0287274D438F}"/>
               </a:ext>
             </a:extLst>
           </p:cNvPr>
@@ -1933,7 +1933,7 @@
           <p:cNvPr id="3" name="日期占位符 2">
             <a:extLst>
               <a:ext uri="{FF2B5EF4-FFF2-40B4-BE49-F238E27FC236}">
-                <a16:creationId xmlns:a16="http://schemas.microsoft.com/office/drawing/2014/main" id="{7B1EAEFE-C44F-1D28-0FE9-B8ADEA9C925A}"/>
+                <a16:creationId xmlns:a16="http://schemas.microsoft.com/office/drawing/2014/main" id="{A4C8B84C-8EE7-87C4-EBD5-66E11EDD4F84}"/>
               </a:ext>
             </a:extLst>
           </p:cNvPr>
@@ -1949,7 +1949,7 @@
           <a:bodyPr/>
           <a:lstStyle/>
           <a:p>
-            <a:fld id="{80CEE3E3-2E06-4E7F-AC5F-D8FD1CDC986C}" type="datetimeFigureOut">
+            <a:fld id="{22D1EC34-0BA9-467F-B924-B22C5C506345}" type="datetimeFigureOut">
               <a:rPr lang="zh-CN" altLang="en-US" smtClean="0"/>
               <a:t>2024/3/10</a:t>
             </a:fld>
@@ -1962,7 +1962,7 @@
           <p:cNvPr id="4" name="页脚占位符 3">
             <a:extLst>
               <a:ext uri="{FF2B5EF4-FFF2-40B4-BE49-F238E27FC236}">
-                <a16:creationId xmlns:a16="http://schemas.microsoft.com/office/drawing/2014/main" id="{7191E6C3-3C51-62B6-48FB-0179AB52867C}"/>
+                <a16:creationId xmlns:a16="http://schemas.microsoft.com/office/drawing/2014/main" id="{FF3EF3CC-95B1-32F6-8326-090706AA7ECE}"/>
               </a:ext>
             </a:extLst>
           </p:cNvPr>
@@ -1987,7 +1987,7 @@
           <p:cNvPr id="5" name="灯片编号占位符 4">
             <a:extLst>
               <a:ext uri="{FF2B5EF4-FFF2-40B4-BE49-F238E27FC236}">
-                <a16:creationId xmlns:a16="http://schemas.microsoft.com/office/drawing/2014/main" id="{745C6603-F28F-8AD2-EF21-9CB5E60E0CB2}"/>
+                <a16:creationId xmlns:a16="http://schemas.microsoft.com/office/drawing/2014/main" id="{120644EC-8C68-9705-063E-5CBD255DE0C9}"/>
               </a:ext>
             </a:extLst>
           </p:cNvPr>
@@ -2003,7 +2003,7 @@
           <a:bodyPr/>
           <a:lstStyle/>
           <a:p>
-            <a:fld id="{DA007AF0-E144-4E6B-97A8-26DAF20F22D7}" type="slidenum">
+            <a:fld id="{9D199339-02D3-4A64-943A-A50FCC6E3981}" type="slidenum">
               <a:rPr lang="zh-CN" altLang="en-US" smtClean="0"/>
               <a:t>‹#›</a:t>
             </a:fld>
@@ -2014,7 +2014,7 @@
     </p:spTree>
     <p:extLst>
       <p:ext uri="{BB962C8B-B14F-4D97-AF65-F5344CB8AC3E}">
-        <p14:creationId xmlns:p14="http://schemas.microsoft.com/office/powerpoint/2010/main" val="4173549764"/>
+        <p14:creationId xmlns:p14="http://schemas.microsoft.com/office/powerpoint/2010/main" val="2070190421"/>
       </p:ext>
     </p:extLst>
   </p:cSld>
@@ -2046,7 +2046,7 @@
           <p:cNvPr id="2" name="日期占位符 1">
             <a:extLst>
               <a:ext uri="{FF2B5EF4-FFF2-40B4-BE49-F238E27FC236}">
-                <a16:creationId xmlns:a16="http://schemas.microsoft.com/office/drawing/2014/main" id="{6CEAB983-070C-0ED4-9D2F-DED39E957BC9}"/>
+                <a16:creationId xmlns:a16="http://schemas.microsoft.com/office/drawing/2014/main" id="{9C01CCC0-AB8F-0F42-D74A-03BE33991D42}"/>
               </a:ext>
             </a:extLst>
           </p:cNvPr>
@@ -2062,7 +2062,7 @@
           <a:bodyPr/>
           <a:lstStyle/>
           <a:p>
-            <a:fld id="{80CEE3E3-2E06-4E7F-AC5F-D8FD1CDC986C}" type="datetimeFigureOut">
+            <a:fld id="{22D1EC34-0BA9-467F-B924-B22C5C506345}" type="datetimeFigureOut">
               <a:rPr lang="zh-CN" altLang="en-US" smtClean="0"/>
               <a:t>2024/3/10</a:t>
             </a:fld>
@@ -2075,7 +2075,7 @@
           <p:cNvPr id="3" name="页脚占位符 2">
             <a:extLst>
               <a:ext uri="{FF2B5EF4-FFF2-40B4-BE49-F238E27FC236}">
-                <a16:creationId xmlns:a16="http://schemas.microsoft.com/office/drawing/2014/main" id="{4D6B22F0-A727-8912-3ACD-2351E45CA808}"/>
+                <a16:creationId xmlns:a16="http://schemas.microsoft.com/office/drawing/2014/main" id="{855F06AD-C685-FE39-B93A-21B7C3D7E7E5}"/>
               </a:ext>
             </a:extLst>
           </p:cNvPr>
@@ -2100,7 +2100,7 @@
           <p:cNvPr id="4" name="灯片编号占位符 3">
             <a:extLst>
               <a:ext uri="{FF2B5EF4-FFF2-40B4-BE49-F238E27FC236}">
-                <a16:creationId xmlns:a16="http://schemas.microsoft.com/office/drawing/2014/main" id="{4CB14493-E490-9A9C-C5EA-94F64A5B167C}"/>
+                <a16:creationId xmlns:a16="http://schemas.microsoft.com/office/drawing/2014/main" id="{0E0DA7AC-26C0-DF80-7526-806A382FEAF3}"/>
               </a:ext>
             </a:extLst>
           </p:cNvPr>
@@ -2116,7 +2116,7 @@
           <a:bodyPr/>
           <a:lstStyle/>
           <a:p>
-            <a:fld id="{DA007AF0-E144-4E6B-97A8-26DAF20F22D7}" type="slidenum">
+            <a:fld id="{9D199339-02D3-4A64-943A-A50FCC6E3981}" type="slidenum">
               <a:rPr lang="zh-CN" altLang="en-US" smtClean="0"/>
               <a:t>‹#›</a:t>
             </a:fld>
@@ -2127,7 +2127,7 @@
     </p:spTree>
     <p:extLst>
       <p:ext uri="{BB962C8B-B14F-4D97-AF65-F5344CB8AC3E}">
-        <p14:creationId xmlns:p14="http://schemas.microsoft.com/office/powerpoint/2010/main" val="2597287577"/>
+        <p14:creationId xmlns:p14="http://schemas.microsoft.com/office/powerpoint/2010/main" val="197839338"/>
       </p:ext>
     </p:extLst>
   </p:cSld>
@@ -2159,7 +2159,7 @@
           <p:cNvPr id="2" name="标题 1">
             <a:extLst>
               <a:ext uri="{FF2B5EF4-FFF2-40B4-BE49-F238E27FC236}">
-                <a16:creationId xmlns:a16="http://schemas.microsoft.com/office/drawing/2014/main" id="{FFB9CD87-ED15-EACA-6CEC-62D5D9C24F3E}"/>
+                <a16:creationId xmlns:a16="http://schemas.microsoft.com/office/drawing/2014/main" id="{72691573-663B-90F3-1F42-F4CB0D3CDBA6}"/>
               </a:ext>
             </a:extLst>
           </p:cNvPr>
@@ -2196,7 +2196,7 @@
           <p:cNvPr id="3" name="内容占位符 2">
             <a:extLst>
               <a:ext uri="{FF2B5EF4-FFF2-40B4-BE49-F238E27FC236}">
-                <a16:creationId xmlns:a16="http://schemas.microsoft.com/office/drawing/2014/main" id="{F01BF19F-708F-119B-AFF8-81FBBD5C4CFF}"/>
+                <a16:creationId xmlns:a16="http://schemas.microsoft.com/office/drawing/2014/main" id="{DE751EDA-7855-5158-CACC-A3EFD242F359}"/>
               </a:ext>
             </a:extLst>
           </p:cNvPr>
@@ -2286,7 +2286,7 @@
           <p:cNvPr id="4" name="文本占位符 3">
             <a:extLst>
               <a:ext uri="{FF2B5EF4-FFF2-40B4-BE49-F238E27FC236}">
-                <a16:creationId xmlns:a16="http://schemas.microsoft.com/office/drawing/2014/main" id="{668EC8B9-C1B5-2291-3050-C4499CBE7E4A}"/>
+                <a16:creationId xmlns:a16="http://schemas.microsoft.com/office/drawing/2014/main" id="{A5C1AADD-3FDC-3D45-F616-1DBE9342A524}"/>
               </a:ext>
             </a:extLst>
           </p:cNvPr>
@@ -2357,7 +2357,7 @@
           <p:cNvPr id="5" name="日期占位符 4">
             <a:extLst>
               <a:ext uri="{FF2B5EF4-FFF2-40B4-BE49-F238E27FC236}">
-                <a16:creationId xmlns:a16="http://schemas.microsoft.com/office/drawing/2014/main" id="{20F15A17-DA00-2A38-5D7D-27ECA8D02919}"/>
+                <a16:creationId xmlns:a16="http://schemas.microsoft.com/office/drawing/2014/main" id="{2B70C9E0-F207-4039-71A5-EE48F4A6F1ED}"/>
               </a:ext>
             </a:extLst>
           </p:cNvPr>
@@ -2373,7 +2373,7 @@
           <a:bodyPr/>
           <a:lstStyle/>
           <a:p>
-            <a:fld id="{80CEE3E3-2E06-4E7F-AC5F-D8FD1CDC986C}" type="datetimeFigureOut">
+            <a:fld id="{22D1EC34-0BA9-467F-B924-B22C5C506345}" type="datetimeFigureOut">
               <a:rPr lang="zh-CN" altLang="en-US" smtClean="0"/>
               <a:t>2024/3/10</a:t>
             </a:fld>
@@ -2386,7 +2386,7 @@
           <p:cNvPr id="6" name="页脚占位符 5">
             <a:extLst>
               <a:ext uri="{FF2B5EF4-FFF2-40B4-BE49-F238E27FC236}">
-                <a16:creationId xmlns:a16="http://schemas.microsoft.com/office/drawing/2014/main" id="{694A1824-7052-CB2A-1BD4-65D3FB58EF19}"/>
+                <a16:creationId xmlns:a16="http://schemas.microsoft.com/office/drawing/2014/main" id="{D7B9F508-E90A-E583-F2E2-627289BF43D7}"/>
               </a:ext>
             </a:extLst>
           </p:cNvPr>
@@ -2411,7 +2411,7 @@
           <p:cNvPr id="7" name="灯片编号占位符 6">
             <a:extLst>
               <a:ext uri="{FF2B5EF4-FFF2-40B4-BE49-F238E27FC236}">
-                <a16:creationId xmlns:a16="http://schemas.microsoft.com/office/drawing/2014/main" id="{29A2DE5E-B1AF-98FD-702F-474A43D88AD7}"/>
+                <a16:creationId xmlns:a16="http://schemas.microsoft.com/office/drawing/2014/main" id="{991C8237-6C69-DF15-7A39-C17725BA2F4C}"/>
               </a:ext>
             </a:extLst>
           </p:cNvPr>
@@ -2427,7 +2427,7 @@
           <a:bodyPr/>
           <a:lstStyle/>
           <a:p>
-            <a:fld id="{DA007AF0-E144-4E6B-97A8-26DAF20F22D7}" type="slidenum">
+            <a:fld id="{9D199339-02D3-4A64-943A-A50FCC6E3981}" type="slidenum">
               <a:rPr lang="zh-CN" altLang="en-US" smtClean="0"/>
               <a:t>‹#›</a:t>
             </a:fld>
@@ -2438,7 +2438,7 @@
     </p:spTree>
     <p:extLst>
       <p:ext uri="{BB962C8B-B14F-4D97-AF65-F5344CB8AC3E}">
-        <p14:creationId xmlns:p14="http://schemas.microsoft.com/office/powerpoint/2010/main" val="2996585696"/>
+        <p14:creationId xmlns:p14="http://schemas.microsoft.com/office/powerpoint/2010/main" val="1809387690"/>
       </p:ext>
     </p:extLst>
   </p:cSld>
@@ -2470,7 +2470,7 @@
           <p:cNvPr id="2" name="标题 1">
             <a:extLst>
               <a:ext uri="{FF2B5EF4-FFF2-40B4-BE49-F238E27FC236}">
-                <a16:creationId xmlns:a16="http://schemas.microsoft.com/office/drawing/2014/main" id="{62160F36-A03B-786D-B6D1-199DF05158BF}"/>
+                <a16:creationId xmlns:a16="http://schemas.microsoft.com/office/drawing/2014/main" id="{1916ADA9-7CA1-6030-D940-2890D41AAFE2}"/>
               </a:ext>
             </a:extLst>
           </p:cNvPr>
@@ -2507,7 +2507,7 @@
           <p:cNvPr id="3" name="图片占位符 2">
             <a:extLst>
               <a:ext uri="{FF2B5EF4-FFF2-40B4-BE49-F238E27FC236}">
-                <a16:creationId xmlns:a16="http://schemas.microsoft.com/office/drawing/2014/main" id="{8FCEB0DE-D6E6-CD6C-D792-02154923471F}"/>
+                <a16:creationId xmlns:a16="http://schemas.microsoft.com/office/drawing/2014/main" id="{4DD92CD8-DA72-2DB3-21BA-A6468E1F6BCF}"/>
               </a:ext>
             </a:extLst>
           </p:cNvPr>
@@ -2574,7 +2574,7 @@
           <p:cNvPr id="4" name="文本占位符 3">
             <a:extLst>
               <a:ext uri="{FF2B5EF4-FFF2-40B4-BE49-F238E27FC236}">
-                <a16:creationId xmlns:a16="http://schemas.microsoft.com/office/drawing/2014/main" id="{75753A38-9085-CE91-3708-6DE224896983}"/>
+                <a16:creationId xmlns:a16="http://schemas.microsoft.com/office/drawing/2014/main" id="{FE703889-5542-0748-E910-48DE2B098D10}"/>
               </a:ext>
             </a:extLst>
           </p:cNvPr>
@@ -2645,7 +2645,7 @@
           <p:cNvPr id="5" name="日期占位符 4">
             <a:extLst>
               <a:ext uri="{FF2B5EF4-FFF2-40B4-BE49-F238E27FC236}">
-                <a16:creationId xmlns:a16="http://schemas.microsoft.com/office/drawing/2014/main" id="{2939001A-D222-B75D-7333-1F379333120A}"/>
+                <a16:creationId xmlns:a16="http://schemas.microsoft.com/office/drawing/2014/main" id="{D83A54F8-3699-41EE-3486-4A5B44A0B0D1}"/>
               </a:ext>
             </a:extLst>
           </p:cNvPr>
@@ -2661,7 +2661,7 @@
           <a:bodyPr/>
           <a:lstStyle/>
           <a:p>
-            <a:fld id="{80CEE3E3-2E06-4E7F-AC5F-D8FD1CDC986C}" type="datetimeFigureOut">
+            <a:fld id="{22D1EC34-0BA9-467F-B924-B22C5C506345}" type="datetimeFigureOut">
               <a:rPr lang="zh-CN" altLang="en-US" smtClean="0"/>
               <a:t>2024/3/10</a:t>
             </a:fld>
@@ -2674,7 +2674,7 @@
           <p:cNvPr id="6" name="页脚占位符 5">
             <a:extLst>
               <a:ext uri="{FF2B5EF4-FFF2-40B4-BE49-F238E27FC236}">
-                <a16:creationId xmlns:a16="http://schemas.microsoft.com/office/drawing/2014/main" id="{590CC583-E37F-953D-213F-ED09B76CFF67}"/>
+                <a16:creationId xmlns:a16="http://schemas.microsoft.com/office/drawing/2014/main" id="{988B31E8-588B-1731-8ACB-E2F1865CEB74}"/>
               </a:ext>
             </a:extLst>
           </p:cNvPr>
@@ -2699,7 +2699,7 @@
           <p:cNvPr id="7" name="灯片编号占位符 6">
             <a:extLst>
               <a:ext uri="{FF2B5EF4-FFF2-40B4-BE49-F238E27FC236}">
-                <a16:creationId xmlns:a16="http://schemas.microsoft.com/office/drawing/2014/main" id="{4BDA9AC0-3856-3D61-322E-D5C984EE2964}"/>
+                <a16:creationId xmlns:a16="http://schemas.microsoft.com/office/drawing/2014/main" id="{1465AA39-55D6-8EC9-2D9F-761EF5C4E251}"/>
               </a:ext>
             </a:extLst>
           </p:cNvPr>
@@ -2715,7 +2715,7 @@
           <a:bodyPr/>
           <a:lstStyle/>
           <a:p>
-            <a:fld id="{DA007AF0-E144-4E6B-97A8-26DAF20F22D7}" type="slidenum">
+            <a:fld id="{9D199339-02D3-4A64-943A-A50FCC6E3981}" type="slidenum">
               <a:rPr lang="zh-CN" altLang="en-US" smtClean="0"/>
               <a:t>‹#›</a:t>
             </a:fld>
@@ -2726,7 +2726,7 @@
     </p:spTree>
     <p:extLst>
       <p:ext uri="{BB962C8B-B14F-4D97-AF65-F5344CB8AC3E}">
-        <p14:creationId xmlns:p14="http://schemas.microsoft.com/office/powerpoint/2010/main" val="2854855433"/>
+        <p14:creationId xmlns:p14="http://schemas.microsoft.com/office/powerpoint/2010/main" val="2337382372"/>
       </p:ext>
     </p:extLst>
   </p:cSld>
@@ -2763,7 +2763,7 @@
           <p:cNvPr id="2" name="标题占位符 1">
             <a:extLst>
               <a:ext uri="{FF2B5EF4-FFF2-40B4-BE49-F238E27FC236}">
-                <a16:creationId xmlns:a16="http://schemas.microsoft.com/office/drawing/2014/main" id="{54647F85-4740-2021-9890-57F14BD15E98}"/>
+                <a16:creationId xmlns:a16="http://schemas.microsoft.com/office/drawing/2014/main" id="{20F9453F-C96E-80A1-0DA2-06EF4664281E}"/>
               </a:ext>
             </a:extLst>
           </p:cNvPr>
@@ -2801,7 +2801,7 @@
           <p:cNvPr id="3" name="文本占位符 2">
             <a:extLst>
               <a:ext uri="{FF2B5EF4-FFF2-40B4-BE49-F238E27FC236}">
-                <a16:creationId xmlns:a16="http://schemas.microsoft.com/office/drawing/2014/main" id="{A3D15993-A71D-120B-9B87-066176B895E6}"/>
+                <a16:creationId xmlns:a16="http://schemas.microsoft.com/office/drawing/2014/main" id="{4647E225-3F78-B664-8471-EB6FC3B31D85}"/>
               </a:ext>
             </a:extLst>
           </p:cNvPr>
@@ -2868,7 +2868,7 @@
           <p:cNvPr id="4" name="日期占位符 3">
             <a:extLst>
               <a:ext uri="{FF2B5EF4-FFF2-40B4-BE49-F238E27FC236}">
-                <a16:creationId xmlns:a16="http://schemas.microsoft.com/office/drawing/2014/main" id="{8E2A70E9-754D-4CA8-97F1-71FCAE811B7E}"/>
+                <a16:creationId xmlns:a16="http://schemas.microsoft.com/office/drawing/2014/main" id="{E70BCF84-857C-817F-3C99-C1359246745E}"/>
               </a:ext>
             </a:extLst>
           </p:cNvPr>
@@ -2902,7 +2902,7 @@
             </a:lvl1pPr>
           </a:lstStyle>
           <a:p>
-            <a:fld id="{80CEE3E3-2E06-4E7F-AC5F-D8FD1CDC986C}" type="datetimeFigureOut">
+            <a:fld id="{22D1EC34-0BA9-467F-B924-B22C5C506345}" type="datetimeFigureOut">
               <a:rPr lang="zh-CN" altLang="en-US" smtClean="0"/>
               <a:t>2024/3/10</a:t>
             </a:fld>
@@ -2915,7 +2915,7 @@
           <p:cNvPr id="5" name="页脚占位符 4">
             <a:extLst>
               <a:ext uri="{FF2B5EF4-FFF2-40B4-BE49-F238E27FC236}">
-                <a16:creationId xmlns:a16="http://schemas.microsoft.com/office/drawing/2014/main" id="{8FC50918-6B7D-E50E-634D-19D52D5D5067}"/>
+                <a16:creationId xmlns:a16="http://schemas.microsoft.com/office/drawing/2014/main" id="{BBD8C2F0-2F26-AE99-3C42-F109F308B8E6}"/>
               </a:ext>
             </a:extLst>
           </p:cNvPr>
@@ -2958,7 +2958,7 @@
           <p:cNvPr id="6" name="灯片编号占位符 5">
             <a:extLst>
               <a:ext uri="{FF2B5EF4-FFF2-40B4-BE49-F238E27FC236}">
-                <a16:creationId xmlns:a16="http://schemas.microsoft.com/office/drawing/2014/main" id="{091C19DD-C243-EF2D-7D45-8A8683F8BDA2}"/>
+                <a16:creationId xmlns:a16="http://schemas.microsoft.com/office/drawing/2014/main" id="{C3D4A64D-6157-C41E-673E-BF332D375490}"/>
               </a:ext>
             </a:extLst>
           </p:cNvPr>
@@ -2992,7 +2992,7 @@
             </a:lvl1pPr>
           </a:lstStyle>
           <a:p>
-            <a:fld id="{DA007AF0-E144-4E6B-97A8-26DAF20F22D7}" type="slidenum">
+            <a:fld id="{9D199339-02D3-4A64-943A-A50FCC6E3981}" type="slidenum">
               <a:rPr lang="zh-CN" altLang="en-US" smtClean="0"/>
               <a:t>‹#›</a:t>
             </a:fld>
@@ -3003,7 +3003,7 @@
     </p:spTree>
     <p:extLst>
       <p:ext uri="{BB962C8B-B14F-4D97-AF65-F5344CB8AC3E}">
-        <p14:creationId xmlns:p14="http://schemas.microsoft.com/office/powerpoint/2010/main" val="3962332926"/>
+        <p14:creationId xmlns:p14="http://schemas.microsoft.com/office/powerpoint/2010/main" val="2208319182"/>
       </p:ext>
     </p:extLst>
   </p:cSld>
@@ -3323,7 +3323,7 @@
       </p:grpSpPr>
       <p:pic>
         <p:nvPicPr>
-          <p:cNvPr id="1225730" name="Picture 2" descr="1196"/>
+          <p:cNvPr id="1226754" name="Picture 2" descr="1197"/>
           <p:cNvPicPr>
             <a:picLocks noChangeAspect="1" noChangeArrowheads="1"/>
           </p:cNvPicPr>
@@ -3344,7 +3344,7 @@
         </p:blipFill>
         <p:spPr bwMode="auto">
           <a:xfrm>
-            <a:off x="1524000" y="1"/>
+            <a:off x="1543050" y="1"/>
             <a:ext cx="9124950" cy="6843713"/>
           </a:xfrm>
           <a:prstGeom prst="rect">
